--- a/vng-ip/NewIP/docs/Design/NewIP - Fronting Tomcat With Apache.pptx
+++ b/vng-ip/NewIP/docs/Design/NewIP - Fronting Tomcat With Apache.pptx
@@ -252,7 +252,7 @@
               <a:pPr>
                 <a:defRPr/>
               </a:pPr>
-              <a:t>1/27/2011</a:t>
+              <a:t>2/16/2011</a:t>
             </a:fld>
             <a:endParaRPr lang="en-US"/>
           </a:p>
@@ -454,7 +454,7 @@
               <a:pPr>
                 <a:defRPr/>
               </a:pPr>
-              <a:t>1/27/2011</a:t>
+              <a:t>2/16/2011</a:t>
             </a:fld>
             <a:endParaRPr lang="en-US"/>
           </a:p>
@@ -1198,8 +1198,60 @@
           <a:lstStyle/>
           <a:p>
             <a:r>
-              <a:rPr lang="en-US" smtClean="0"/>
-              <a:t>Ref: http://people.apache.org/~mturk/docs/article/ftwai.html</a:t>
+              <a:rPr lang="en-US" dirty="0" smtClean="0"/>
+              <a:t>Ref:</a:t>
+            </a:r>
+          </a:p>
+          <a:p>
+            <a:r>
+              <a:rPr lang="en-US" dirty="0" smtClean="0"/>
+              <a:t>http</a:t>
+            </a:r>
+            <a:r>
+              <a:rPr lang="en-US" dirty="0" smtClean="0"/>
+              <a:t>://people.apache.org/~</a:t>
+            </a:r>
+            <a:r>
+              <a:rPr lang="en-US" dirty="0" smtClean="0"/>
+              <a:t>mturk/docs/article/ftwai.html</a:t>
+            </a:r>
+          </a:p>
+          <a:p>
+            <a:r>
+              <a:rPr lang="en-US" dirty="0" smtClean="0"/>
+              <a:t>Worker types: </a:t>
+            </a:r>
+            <a:r>
+              <a:rPr lang="en-US" dirty="0" smtClean="0"/>
+              <a:t>can be one of ajp13, ajp14, </a:t>
+            </a:r>
+            <a:r>
+              <a:rPr lang="en-US" dirty="0" err="1" smtClean="0"/>
+              <a:t>jni</a:t>
+            </a:r>
+            <a:r>
+              <a:rPr lang="en-US" dirty="0" smtClean="0"/>
+              <a:t>, lb or status (</a:t>
+            </a:r>
+            <a:r>
+              <a:rPr lang="en-US" dirty="0" err="1" smtClean="0"/>
+              <a:t>jni</a:t>
+            </a:r>
+            <a:r>
+              <a:rPr lang="en-US" dirty="0" smtClean="0"/>
+              <a:t> is</a:t>
+            </a:r>
+            <a:r>
+              <a:rPr lang="en-US" baseline="0" dirty="0" smtClean="0"/>
+              <a:t> </a:t>
+            </a:r>
+            <a:r>
+              <a:rPr lang="en-US" baseline="0" dirty="0" err="1" smtClean="0"/>
+              <a:t>depracated</a:t>
+            </a:r>
+            <a:r>
+              <a:rPr lang="en-US" baseline="0" smtClean="0"/>
+              <a:t>!)</a:t>
             </a:r>
             <a:endParaRPr lang="en-US" dirty="0"/>
           </a:p>
@@ -2177,7 +2229,7 @@
               <a:pPr>
                 <a:defRPr/>
               </a:pPr>
-              <a:t>27 January 2011</a:t>
+              <a:t>16 February 2011</a:t>
             </a:fld>
             <a:endParaRPr lang="en-US" dirty="0"/>
           </a:p>
@@ -2355,7 +2407,7 @@
               <a:pPr>
                 <a:defRPr/>
               </a:pPr>
-              <a:t>27 January 2011</a:t>
+              <a:t>16 February 2011</a:t>
             </a:fld>
             <a:endParaRPr lang="en-US" dirty="0"/>
           </a:p>
@@ -2543,7 +2595,7 @@
               <a:pPr>
                 <a:defRPr/>
               </a:pPr>
-              <a:t>27 January 2011</a:t>
+              <a:t>16 February 2011</a:t>
             </a:fld>
             <a:endParaRPr lang="en-US" dirty="0"/>
           </a:p>
@@ -2787,7 +2839,7 @@
               <a:pPr>
                 <a:defRPr/>
               </a:pPr>
-              <a:t>27 January 2011</a:t>
+              <a:t>16 February 2011</a:t>
             </a:fld>
             <a:endParaRPr lang="en-US"/>
           </a:p>
@@ -2979,7 +3031,7 @@
               <a:pPr>
                 <a:defRPr/>
               </a:pPr>
-              <a:t>27 January 2011</a:t>
+              <a:t>16 February 2011</a:t>
             </a:fld>
             <a:endParaRPr lang="en-US"/>
           </a:p>
@@ -3247,7 +3299,7 @@
               <a:pPr>
                 <a:defRPr/>
               </a:pPr>
-              <a:t>27 January 2011</a:t>
+              <a:t>16 February 2011</a:t>
             </a:fld>
             <a:endParaRPr lang="en-US"/>
           </a:p>
@@ -3557,7 +3609,7 @@
               <a:pPr>
                 <a:defRPr/>
               </a:pPr>
-              <a:t>27 January 2011</a:t>
+              <a:t>16 February 2011</a:t>
             </a:fld>
             <a:endParaRPr lang="en-US"/>
           </a:p>
@@ -4001,7 +4053,7 @@
               <a:pPr>
                 <a:defRPr/>
               </a:pPr>
-              <a:t>27 January 2011</a:t>
+              <a:t>16 February 2011</a:t>
             </a:fld>
             <a:endParaRPr lang="en-US"/>
           </a:p>
@@ -4141,7 +4193,7 @@
               <a:pPr>
                 <a:defRPr/>
               </a:pPr>
-              <a:t>27 January 2011</a:t>
+              <a:t>16 February 2011</a:t>
             </a:fld>
             <a:endParaRPr lang="en-US"/>
           </a:p>
@@ -4281,7 +4333,7 @@
               <a:pPr>
                 <a:defRPr/>
               </a:pPr>
-              <a:t>27 January 2011</a:t>
+              <a:t>16 February 2011</a:t>
             </a:fld>
             <a:endParaRPr lang="en-US" dirty="0"/>
           </a:p>
@@ -4378,7 +4430,7 @@
               <a:pPr>
                 <a:defRPr/>
               </a:pPr>
-              <a:t>27 January 2011</a:t>
+              <a:t>16 February 2011</a:t>
             </a:fld>
             <a:endParaRPr lang="en-US"/>
           </a:p>
@@ -4677,7 +4729,7 @@
               <a:pPr>
                 <a:defRPr/>
               </a:pPr>
-              <a:t>27 January 2011</a:t>
+              <a:t>16 February 2011</a:t>
             </a:fld>
             <a:endParaRPr lang="en-US"/>
           </a:p>
@@ -4958,7 +5010,7 @@
               <a:pPr>
                 <a:defRPr/>
               </a:pPr>
-              <a:t>27 January 2011</a:t>
+              <a:t>16 February 2011</a:t>
             </a:fld>
             <a:endParaRPr lang="en-US"/>
           </a:p>
@@ -5150,7 +5202,7 @@
               <a:pPr>
                 <a:defRPr/>
               </a:pPr>
-              <a:t>27 January 2011</a:t>
+              <a:t>16 February 2011</a:t>
             </a:fld>
             <a:endParaRPr lang="en-US"/>
           </a:p>
@@ -5352,7 +5404,7 @@
               <a:pPr>
                 <a:defRPr/>
               </a:pPr>
-              <a:t>27 January 2011</a:t>
+              <a:t>16 February 2011</a:t>
             </a:fld>
             <a:endParaRPr lang="en-US"/>
           </a:p>
@@ -5492,7 +5544,7 @@
               <a:pPr>
                 <a:defRPr/>
               </a:pPr>
-              <a:t>27 January 2011</a:t>
+              <a:t>16 February 2011</a:t>
             </a:fld>
             <a:endParaRPr lang="en-US"/>
           </a:p>
@@ -5756,7 +5808,7 @@
               <a:pPr>
                 <a:defRPr/>
               </a:pPr>
-              <a:t>27 January 2011</a:t>
+              <a:t>16 February 2011</a:t>
             </a:fld>
             <a:endParaRPr lang="en-US"/>
           </a:p>
@@ -5948,7 +6000,7 @@
               <a:pPr>
                 <a:defRPr/>
               </a:pPr>
-              <a:t>27 January 2011</a:t>
+              <a:t>16 February 2011</a:t>
             </a:fld>
             <a:endParaRPr lang="en-US"/>
           </a:p>
@@ -6216,7 +6268,7 @@
               <a:pPr>
                 <a:defRPr/>
               </a:pPr>
-              <a:t>27 January 2011</a:t>
+              <a:t>16 February 2011</a:t>
             </a:fld>
             <a:endParaRPr lang="en-US"/>
           </a:p>
@@ -6526,7 +6578,7 @@
               <a:pPr>
                 <a:defRPr/>
               </a:pPr>
-              <a:t>27 January 2011</a:t>
+              <a:t>16 February 2011</a:t>
             </a:fld>
             <a:endParaRPr lang="en-US"/>
           </a:p>
@@ -6756,7 +6808,7 @@
               <a:pPr>
                 <a:defRPr/>
               </a:pPr>
-              <a:t>27 January 2011</a:t>
+              <a:t>16 February 2011</a:t>
             </a:fld>
             <a:endParaRPr lang="en-US" dirty="0"/>
           </a:p>
@@ -7180,7 +7232,7 @@
               <a:pPr>
                 <a:defRPr/>
               </a:pPr>
-              <a:t>27 January 2011</a:t>
+              <a:t>16 February 2011</a:t>
             </a:fld>
             <a:endParaRPr lang="en-US"/>
           </a:p>
@@ -7320,7 +7372,7 @@
               <a:pPr>
                 <a:defRPr/>
               </a:pPr>
-              <a:t>27 January 2011</a:t>
+              <a:t>16 February 2011</a:t>
             </a:fld>
             <a:endParaRPr lang="en-US"/>
           </a:p>
@@ -7437,7 +7489,7 @@
               <a:pPr>
                 <a:defRPr/>
               </a:pPr>
-              <a:t>27 January 2011</a:t>
+              <a:t>16 February 2011</a:t>
             </a:fld>
             <a:endParaRPr lang="en-US"/>
           </a:p>
@@ -7736,7 +7788,7 @@
               <a:pPr>
                 <a:defRPr/>
               </a:pPr>
-              <a:t>27 January 2011</a:t>
+              <a:t>16 February 2011</a:t>
             </a:fld>
             <a:endParaRPr lang="en-US"/>
           </a:p>
@@ -8017,7 +8069,7 @@
               <a:pPr>
                 <a:defRPr/>
               </a:pPr>
-              <a:t>27 January 2011</a:t>
+              <a:t>16 February 2011</a:t>
             </a:fld>
             <a:endParaRPr lang="en-US"/>
           </a:p>
@@ -8679,7 +8731,7 @@
               <a:pPr>
                 <a:defRPr/>
               </a:pPr>
-              <a:t>27 January 2011</a:t>
+              <a:t>16 February 2011</a:t>
             </a:fld>
             <a:endParaRPr lang="en-US" dirty="0"/>
           </a:p>
@@ -8967,7 +9019,7 @@
               <a:pPr>
                 <a:defRPr/>
               </a:pPr>
-              <a:t>27 January 2011</a:t>
+              <a:t>16 February 2011</a:t>
             </a:fld>
             <a:endParaRPr lang="en-US" dirty="0"/>
           </a:p>
@@ -9263,7 +9315,7 @@
               <a:pPr>
                 <a:defRPr/>
               </a:pPr>
-              <a:t>27 January 2011</a:t>
+              <a:t>16 February 2011</a:t>
             </a:fld>
             <a:endParaRPr lang="en-US" dirty="0"/>
           </a:p>
@@ -9698,7 +9750,7 @@
               <a:pPr>
                 <a:defRPr/>
               </a:pPr>
-              <a:t>27 January 2011</a:t>
+              <a:t>16 February 2011</a:t>
             </a:fld>
             <a:endParaRPr lang="en-US" dirty="0"/>
           </a:p>
@@ -9824,7 +9876,7 @@
               <a:pPr>
                 <a:defRPr/>
               </a:pPr>
-              <a:t>27 January 2011</a:t>
+              <a:t>16 February 2011</a:t>
             </a:fld>
             <a:endParaRPr lang="en-US" dirty="0"/>
           </a:p>
@@ -9927,7 +9979,7 @@
               <a:pPr>
                 <a:defRPr/>
               </a:pPr>
-              <a:t>27 January 2011</a:t>
+              <a:t>16 February 2011</a:t>
             </a:fld>
             <a:endParaRPr lang="en-US" dirty="0"/>
           </a:p>
@@ -10232,7 +10284,7 @@
               <a:pPr>
                 <a:defRPr/>
               </a:pPr>
-              <a:t>27 January 2011</a:t>
+              <a:t>16 February 2011</a:t>
             </a:fld>
             <a:endParaRPr lang="en-US" dirty="0"/>
           </a:p>
@@ -10902,7 +10954,7 @@
               <a:pPr>
                 <a:defRPr/>
               </a:pPr>
-              <a:t>27 January 2011</a:t>
+              <a:t>16 February 2011</a:t>
             </a:fld>
             <a:endParaRPr lang="en-US"/>
           </a:p>
@@ -11576,7 +11628,7 @@
               <a:pPr>
                 <a:defRPr/>
               </a:pPr>
-              <a:t>27 January 2011</a:t>
+              <a:t>16 February 2011</a:t>
             </a:fld>
             <a:endParaRPr lang="en-US"/>
           </a:p>
@@ -12425,7 +12477,7 @@
               <a:pPr>
                 <a:defRPr/>
               </a:pPr>
-              <a:t>27 January 2011</a:t>
+              <a:t>16 February 2011</a:t>
             </a:fld>
             <a:endParaRPr lang="en-US" dirty="0"/>
           </a:p>
@@ -13179,11 +13231,7 @@
             <a:pPr eaLnBrk="1" hangingPunct="1"/>
             <a:r>
               <a:rPr lang="en-US" dirty="0" smtClean="0"/>
-              <a:t>Load </a:t>
-            </a:r>
-            <a:r>
-              <a:rPr lang="en-US" dirty="0" smtClean="0"/>
-              <a:t>Balancing</a:t>
+              <a:t>Load Balancing</a:t>
             </a:r>
           </a:p>
           <a:p>
@@ -16202,19 +16250,6 @@
 </file>
 
 <file path=customXml/item1.xml><?xml version="1.0" encoding="utf-8"?>
-<LongProperties xmlns="http://schemas.microsoft.com/office/2006/metadata/longProperties"/>
-</file>
-
-<file path=customXml/item2.xml><?xml version="1.0" encoding="utf-8"?>
-<?mso-contentType ?>
-<FormTemplates xmlns="http://schemas.microsoft.com/sharepoint/v3/contenttype/forms">
-  <Display>DocumentLibraryForm</Display>
-  <Edit>DocumentLibraryForm</Edit>
-  <New>DocumentLibraryForm</New>
-</FormTemplates>
-</file>
-
-<file path=customXml/item3.xml><?xml version="1.0" encoding="utf-8"?>
 <ct:contentTypeSchema xmlns:ct="http://schemas.microsoft.com/office/2006/metadata/contentType" xmlns:ma="http://schemas.microsoft.com/office/2006/metadata/properties/metaAttributes" ct:_="" ma:_="" ma:contentTypeName="Document" ma:contentTypeID="0x010100797E94D878EF7E4481CCE1736EE37636" ma:contentTypeVersion="0" ma:contentTypeDescription="Create a new document." ma:contentTypeScope="" ma:versionID="5c544f42153d6c39e9d590efc7b390ff">
   <xsd:schema xmlns:xsd="http://www.w3.org/2001/XMLSchema" xmlns:p="http://schemas.microsoft.com/office/2006/metadata/properties" targetNamespace="http://schemas.microsoft.com/office/2006/metadata/properties" ma:root="true" ma:fieldsID="4aeb20c0e3442673af7ee10786458764">
     <xsd:element name="properties">
@@ -16263,6 +16298,19 @@
 </ct:contentTypeSchema>
 </file>
 
+<file path=customXml/item2.xml><?xml version="1.0" encoding="utf-8"?>
+<?mso-contentType ?>
+<FormTemplates xmlns="http://schemas.microsoft.com/sharepoint/v3/contenttype/forms">
+  <Display>DocumentLibraryForm</Display>
+  <Edit>DocumentLibraryForm</Edit>
+  <New>DocumentLibraryForm</New>
+</FormTemplates>
+</file>
+
+<file path=customXml/item3.xml><?xml version="1.0" encoding="utf-8"?>
+<LongProperties xmlns="http://schemas.microsoft.com/office/2006/metadata/longProperties"/>
+</file>
+
 <file path=customXml/item4.xml><?xml version="1.0" encoding="utf-8"?>
 <p:properties xmlns:p="http://schemas.microsoft.com/office/2006/metadata/properties" xmlns:xsi="http://www.w3.org/2001/XMLSchema-instance">
   <documentManagement/>
@@ -16270,22 +16318,6 @@
 </file>
 
 <file path=customXml/itemProps1.xml><?xml version="1.0" encoding="utf-8"?>
-<ds:datastoreItem xmlns:ds="http://schemas.openxmlformats.org/officeDocument/2006/customXml" ds:itemID="{3A52E100-988B-4AD7-BEE7-143E221E4D56}">
-  <ds:schemaRefs>
-    <ds:schemaRef ds:uri="http://schemas.microsoft.com/office/2006/metadata/longProperties"/>
-  </ds:schemaRefs>
-</ds:datastoreItem>
-</file>
-
-<file path=customXml/itemProps2.xml><?xml version="1.0" encoding="utf-8"?>
-<ds:datastoreItem xmlns:ds="http://schemas.openxmlformats.org/officeDocument/2006/customXml" ds:itemID="{47AC431E-914B-41CD-8266-410056DEBF70}">
-  <ds:schemaRefs>
-    <ds:schemaRef ds:uri="http://schemas.microsoft.com/sharepoint/v3/contenttype/forms"/>
-  </ds:schemaRefs>
-</ds:datastoreItem>
-</file>
-
-<file path=customXml/itemProps3.xml><?xml version="1.0" encoding="utf-8"?>
 <ds:datastoreItem xmlns:ds="http://schemas.openxmlformats.org/officeDocument/2006/customXml" ds:itemID="{D3155E93-EBFB-4114-80A6-E3D454F8BEC6}">
   <ds:schemaRefs>
     <ds:schemaRef ds:uri="http://schemas.microsoft.com/office/2006/metadata/contentType"/>
@@ -16300,6 +16332,22 @@
 </ds:datastoreItem>
 </file>
 
+<file path=customXml/itemProps2.xml><?xml version="1.0" encoding="utf-8"?>
+<ds:datastoreItem xmlns:ds="http://schemas.openxmlformats.org/officeDocument/2006/customXml" ds:itemID="{47AC431E-914B-41CD-8266-410056DEBF70}">
+  <ds:schemaRefs>
+    <ds:schemaRef ds:uri="http://schemas.microsoft.com/sharepoint/v3/contenttype/forms"/>
+  </ds:schemaRefs>
+</ds:datastoreItem>
+</file>
+
+<file path=customXml/itemProps3.xml><?xml version="1.0" encoding="utf-8"?>
+<ds:datastoreItem xmlns:ds="http://schemas.openxmlformats.org/officeDocument/2006/customXml" ds:itemID="{3A52E100-988B-4AD7-BEE7-143E221E4D56}">
+  <ds:schemaRefs>
+    <ds:schemaRef ds:uri="http://schemas.microsoft.com/office/2006/metadata/longProperties"/>
+  </ds:schemaRefs>
+</ds:datastoreItem>
+</file>
+
 <file path=customXml/itemProps4.xml><?xml version="1.0" encoding="utf-8"?>
 <ds:datastoreItem xmlns:ds="http://schemas.openxmlformats.org/officeDocument/2006/customXml" ds:itemID="{436077F0-9306-4FEA-9E60-1A589A643FAE}">
   <ds:schemaRefs>
